--- a/20.ES6（二）/20.ES6（二）.pptx
+++ b/20.ES6（二）/20.ES6（二）.pptx
@@ -11679,7 +11679,7 @@
                 </a:solidFill>
                 <a:sym typeface="+mn-ea"/>
               </a:rPr>
-              <a:t>所用</a:t>
+              <a:t>所有</a:t>
             </a:r>
             <a:r>
               <a:rPr lang="zh-CN" altLang="en-US" b="1">

--- a/20.ES6（二）/20.ES6（二）.pptx
+++ b/20.ES6（二）/20.ES6（二）.pptx
@@ -12,7 +12,7 @@
     <p:notesMasterId r:id="rId8"/>
   </p:notesMasterIdLst>
   <p:handoutMasterIdLst>
-    <p:handoutMasterId r:id="rId57"/>
+    <p:handoutMasterId r:id="rId58"/>
   </p:handoutMasterIdLst>
   <p:sldIdLst>
     <p:sldId id="284" r:id="rId7"/>
@@ -60,15 +60,16 @@
     <p:sldId id="1263" r:id="rId50"/>
     <p:sldId id="1264" r:id="rId51"/>
     <p:sldId id="1269" r:id="rId52"/>
-    <p:sldId id="1265" r:id="rId53"/>
-    <p:sldId id="1267" r:id="rId54"/>
-    <p:sldId id="1148" r:id="rId55"/>
-    <p:sldId id="862" r:id="rId56"/>
+    <p:sldId id="1289" r:id="rId53"/>
+    <p:sldId id="1265" r:id="rId54"/>
+    <p:sldId id="1267" r:id="rId55"/>
+    <p:sldId id="1148" r:id="rId56"/>
+    <p:sldId id="862" r:id="rId57"/>
   </p:sldIdLst>
   <p:sldSz cx="12192000" cy="6858000"/>
   <p:notesSz cx="6858000" cy="9144000"/>
   <p:custDataLst>
-    <p:tags r:id="rId62"/>
+    <p:tags r:id="rId63"/>
   </p:custDataLst>
   <p:defaultTextStyle>
     <a:defPPr>
@@ -994,6 +995,50 @@
 </file>
 
 <file path=ppt/notesSlides/notesSlide16.xml><?xml version="1.0" encoding="utf-8"?>
+<p:notes xmlns:a="http://schemas.openxmlformats.org/drawingml/2006/main" xmlns:r="http://schemas.openxmlformats.org/officeDocument/2006/relationships" xmlns:p="http://schemas.openxmlformats.org/presentationml/2006/main">
+  <p:cSld>
+    <p:spTree>
+      <p:nvGrpSpPr>
+        <p:cNvPr id="1" name=""/>
+        <p:cNvGrpSpPr/>
+        <p:nvPr/>
+      </p:nvGrpSpPr>
+      <p:grpSpPr/>
+      <p:sp>
+        <p:nvSpPr>
+          <p:cNvPr id="2" name="幻灯片图像占位符 1"/>
+          <p:cNvSpPr/>
+          <p:nvPr>
+            <p:ph type="sldImg" idx="2"/>
+          </p:nvPr>
+        </p:nvSpPr>
+        <p:spPr/>
+      </p:sp>
+      <p:sp>
+        <p:nvSpPr>
+          <p:cNvPr id="3" name="文本占位符 2"/>
+          <p:cNvSpPr/>
+          <p:nvPr>
+            <p:ph type="body" idx="3"/>
+          </p:nvPr>
+        </p:nvSpPr>
+        <p:spPr/>
+        <p:txBody>
+          <a:bodyPr/>
+          <a:p>
+            <a:endParaRPr lang="zh-CN" altLang="en-US"/>
+          </a:p>
+        </p:txBody>
+      </p:sp>
+    </p:spTree>
+  </p:cSld>
+  <p:clrMapOvr>
+    <a:masterClrMapping/>
+  </p:clrMapOvr>
+</p:notes>
+</file>
+
+<file path=ppt/notesSlides/notesSlide17.xml><?xml version="1.0" encoding="utf-8"?>
 <p:notes xmlns:a="http://schemas.openxmlformats.org/drawingml/2006/main" xmlns:r="http://schemas.openxmlformats.org/officeDocument/2006/relationships" xmlns:p="http://schemas.openxmlformats.org/presentationml/2006/main">
   <p:cSld>
     <p:spTree>
@@ -19665,6 +19710,43 @@
       <p:grpSpPr/>
       <p:sp>
         <p:nvSpPr>
+          <p:cNvPr id="3" name="内容占位符 2"/>
+          <p:cNvSpPr>
+            <a:spLocks noGrp="1"/>
+          </p:cNvSpPr>
+          <p:nvPr>
+            <p:ph sz="quarter" idx="11"/>
+          </p:nvPr>
+        </p:nvSpPr>
+        <p:spPr/>
+        <p:txBody>
+          <a:bodyPr/>
+          <a:p>
+            <a:r>
+              <a:rPr lang="en-US" altLang="zh-CN" dirty="0" smtClean="0">
+                <a:sym typeface="+mn-ea"/>
+              </a:rPr>
+              <a:t>async</a:t>
+            </a:r>
+            <a:r>
+              <a:rPr lang="zh-CN" altLang="en-US" dirty="0" smtClean="0">
+                <a:sym typeface="+mn-ea"/>
+              </a:rPr>
+              <a:t>函数</a:t>
+            </a:r>
+            <a:endParaRPr lang="zh-CN" altLang="en-US" dirty="0" smtClean="0">
+              <a:sym typeface="+mn-ea"/>
+            </a:endParaRPr>
+          </a:p>
+          <a:p>
+            <a:endParaRPr lang="zh-CN" altLang="en-US" dirty="0" smtClean="0">
+              <a:sym typeface="+mn-ea"/>
+            </a:endParaRPr>
+          </a:p>
+        </p:txBody>
+      </p:sp>
+      <p:sp>
+        <p:nvSpPr>
           <p:cNvPr id="2" name="内容占位符 1"/>
           <p:cNvSpPr>
             <a:spLocks noGrp="1"/>
@@ -19676,75 +19758,87 @@
         <p:spPr>
           <a:xfrm>
             <a:off x="1143000" y="1070610"/>
-            <a:ext cx="10417810" cy="4921885"/>
+            <a:ext cx="10464800" cy="4921885"/>
           </a:xfrm>
         </p:spPr>
         <p:txBody>
           <a:bodyPr/>
           <a:p>
+            <a:pPr lvl="0"/>
             <a:r>
               <a:rPr lang="en-US" altLang="zh-CN"/>
               <a:t> </a:t>
             </a:r>
             <a:r>
-              <a:rPr lang="zh-CN" altLang="en-US"/>
-              <a:t>异步的执行</a:t>
-            </a:r>
-            <a:endParaRPr lang="zh-CN" altLang="en-US"/>
-          </a:p>
-          <a:p>
-            <a:pPr lvl="1"/>
-            <a:r>
-              <a:rPr lang="zh-CN" altLang="en-US" sz="2400"/>
-              <a:t> </a:t>
-            </a:r>
-            <a:r>
-              <a:rPr lang="en-US" altLang="zh-CN" sz="2400"/>
-              <a:t>promise</a:t>
-            </a:r>
-            <a:endParaRPr lang="en-US" altLang="zh-CN" sz="2400"/>
-          </a:p>
-          <a:p>
-            <a:pPr lvl="1"/>
-            <a:r>
-              <a:rPr lang="en-US" altLang="zh-CN" sz="2400"/>
-              <a:t> async/await</a:t>
-            </a:r>
-            <a:endParaRPr lang="en-US" altLang="zh-CN" sz="2400"/>
-          </a:p>
-          <a:p>
-            <a:pPr lvl="0"/>
-            <a:r>
-              <a:rPr lang="en-US" altLang="zh-CN" sz="2800"/>
-              <a:t> class </a:t>
-            </a:r>
-            <a:r>
-              <a:rPr lang="zh-CN" altLang="en-US" sz="2800"/>
-              <a:t>的语法</a:t>
-            </a:r>
-            <a:endParaRPr lang="zh-CN" altLang="en-US" sz="2800"/>
-          </a:p>
-          <a:p>
-            <a:pPr lvl="0"/>
-            <a:r>
-              <a:rPr lang="zh-CN" altLang="en-US" sz="2800"/>
-              <a:t> </a:t>
-            </a:r>
-            <a:r>
-              <a:rPr lang="en-US" altLang="zh-CN" sz="2800"/>
-              <a:t>class </a:t>
-            </a:r>
-            <a:r>
-              <a:rPr lang="zh-CN" altLang="en-US" sz="2800"/>
-              <a:t>的继承</a:t>
-            </a:r>
-            <a:endParaRPr sz="2800">
+              <a:rPr lang="zh-CN" altLang="en-US">
+                <a:sym typeface="+mn-ea"/>
+              </a:rPr>
+              <a:t>异步执行顺序</a:t>
+            </a:r>
+            <a:endParaRPr lang="zh-CN" altLang="en-US">
               <a:sym typeface="+mn-ea"/>
             </a:endParaRPr>
           </a:p>
           <a:p>
-            <a:endParaRPr lang="zh-CN" altLang="en-US">
-              <a:ea typeface="微软雅黑" panose="020B0503020204020204" pitchFamily="34" charset="-122"/>
+            <a:pPr lvl="1"/>
+            <a:r>
+              <a:rPr lang="zh-CN" altLang="en-US" sz="2055">
+                <a:solidFill>
+                  <a:schemeClr val="tx1"/>
+                </a:solidFill>
+                <a:sym typeface="+mn-ea"/>
+              </a:rPr>
+              <a:t> </a:t>
+            </a:r>
+            <a:r>
+              <a:rPr lang="en-US" altLang="zh-CN" sz="2055">
+                <a:solidFill>
+                  <a:schemeClr val="tx1"/>
+                </a:solidFill>
+                <a:sym typeface="+mn-ea"/>
+              </a:rPr>
+              <a:t>async/await</a:t>
+            </a:r>
+            <a:endParaRPr lang="en-US" altLang="zh-CN" sz="2055">
+              <a:solidFill>
+                <a:schemeClr val="tx1"/>
+              </a:solidFill>
+              <a:sym typeface="+mn-ea"/>
+            </a:endParaRPr>
+          </a:p>
+          <a:p>
+            <a:pPr lvl="1"/>
+            <a:r>
+              <a:rPr lang="en-US" altLang="zh-CN" sz="2055">
+                <a:solidFill>
+                  <a:schemeClr val="tx1"/>
+                </a:solidFill>
+                <a:sym typeface="+mn-ea"/>
+              </a:rPr>
+              <a:t> setTimeout</a:t>
+            </a:r>
+            <a:endParaRPr lang="en-US" altLang="zh-CN" sz="2055">
+              <a:solidFill>
+                <a:schemeClr val="tx1"/>
+              </a:solidFill>
+              <a:sym typeface="+mn-ea"/>
+            </a:endParaRPr>
+          </a:p>
+          <a:p>
+            <a:pPr lvl="1"/>
+            <a:r>
+              <a:rPr lang="en-US" altLang="zh-CN" sz="2055">
+                <a:solidFill>
+                  <a:schemeClr val="tx1"/>
+                </a:solidFill>
+                <a:sym typeface="+mn-ea"/>
+              </a:rPr>
+              <a:t> Promise</a:t>
+            </a:r>
+            <a:endParaRPr lang="en-US" altLang="zh-CN" sz="2055">
+              <a:solidFill>
+                <a:schemeClr val="tx1"/>
+              </a:solidFill>
               <a:sym typeface="+mn-ea"/>
             </a:endParaRPr>
           </a:p>
@@ -19752,23 +19846,43 @@
       </p:sp>
       <p:sp>
         <p:nvSpPr>
-          <p:cNvPr id="3" name="内容占位符 2"/>
-          <p:cNvSpPr>
-            <a:spLocks noGrp="1"/>
-          </p:cNvSpPr>
-          <p:nvPr>
-            <p:ph sz="quarter" idx="11"/>
-          </p:nvPr>
+          <p:cNvPr id="17" name="文本框 5"/>
+          <p:cNvSpPr txBox="1"/>
+          <p:nvPr/>
         </p:nvSpPr>
-        <p:spPr/>
+        <p:spPr>
+          <a:xfrm>
+            <a:off x="10641829" y="6269636"/>
+            <a:ext cx="1242060" cy="489585"/>
+          </a:xfrm>
+          <a:prstGeom prst="rect">
+            <a:avLst/>
+          </a:prstGeom>
+          <a:noFill/>
+          <a:ln w="9525">
+            <a:noFill/>
+          </a:ln>
+        </p:spPr>
         <p:txBody>
-          <a:bodyPr/>
-          <a:p>
-            <a:r>
-              <a:rPr lang="zh-CN" altLang="en-US"/>
-              <a:t>总结</a:t>
-            </a:r>
-            <a:endParaRPr lang="zh-CN" altLang="en-US"/>
+          <a:bodyPr wrap="none" lIns="121883" tIns="60941" rIns="121883" bIns="60941" anchor="t">
+            <a:spAutoFit/>
+          </a:bodyPr>
+          <a:p>
+            <a:pPr eaLnBrk="0" hangingPunct="0">
+              <a:buFont typeface="Arial" panose="020B0604020202020204" pitchFamily="34" charset="0"/>
+              <a:buNone/>
+            </a:pPr>
+            <a:r>
+              <a:rPr lang="en-US" altLang="zh-CN" sz="2400" dirty="0">
+                <a:latin typeface="Arial" panose="020B0604020202020204" pitchFamily="34" charset="0"/>
+                <a:ea typeface="微软雅黑" panose="020B0503020204020204" pitchFamily="34" charset="-122"/>
+              </a:rPr>
+              <a:t>27.html</a:t>
+            </a:r>
+            <a:endParaRPr lang="zh-CN" altLang="en-US" sz="2400" dirty="0">
+              <a:latin typeface="Arial" panose="020B0604020202020204" pitchFamily="34" charset="0"/>
+              <a:ea typeface="微软雅黑" panose="020B0503020204020204" pitchFamily="34" charset="-122"/>
+            </a:endParaRPr>
           </a:p>
         </p:txBody>
       </p:sp>
@@ -19777,13 +19891,6 @@
   <p:clrMapOvr>
     <a:masterClrMapping/>
   </p:clrMapOvr>
-  <p:timing>
-    <p:tnLst>
-      <p:par>
-        <p:cTn id="1" dur="indefinite" restart="never" nodeType="tmRoot"/>
-      </p:par>
-    </p:tnLst>
-  </p:timing>
 </p:sld>
 </file>
 
@@ -19807,158 +19914,80 @@
             <p:ph sz="quarter" idx="10"/>
           </p:nvPr>
         </p:nvSpPr>
-        <p:spPr/>
+        <p:spPr>
+          <a:xfrm>
+            <a:off x="1143000" y="1070610"/>
+            <a:ext cx="10417810" cy="4921885"/>
+          </a:xfrm>
+        </p:spPr>
         <p:txBody>
           <a:bodyPr/>
           <a:p>
             <a:r>
-              <a:rPr lang="en-US" altLang="zh-CN" sz="2800">
-                <a:sym typeface="+mn-ea"/>
-              </a:rPr>
+              <a:rPr lang="en-US" altLang="zh-CN"/>
               <a:t> </a:t>
             </a:r>
             <a:r>
-              <a:rPr lang="zh-CN" altLang="en-US" sz="2800">
-                <a:sym typeface="+mn-ea"/>
-              </a:rPr>
-              <a:t>阅读书籍</a:t>
+              <a:rPr lang="zh-CN" altLang="en-US"/>
+              <a:t>异步的执行</a:t>
+            </a:r>
+            <a:endParaRPr lang="zh-CN" altLang="en-US"/>
+          </a:p>
+          <a:p>
+            <a:pPr lvl="1"/>
+            <a:r>
+              <a:rPr lang="zh-CN" altLang="en-US" sz="2400"/>
+              <a:t> </a:t>
+            </a:r>
+            <a:r>
+              <a:rPr lang="en-US" altLang="zh-CN" sz="2400"/>
+              <a:t>promise</a:t>
+            </a:r>
+            <a:endParaRPr lang="en-US" altLang="zh-CN" sz="2400"/>
+          </a:p>
+          <a:p>
+            <a:pPr lvl="1"/>
+            <a:r>
+              <a:rPr lang="en-US" altLang="zh-CN" sz="2400"/>
+              <a:t> async/await</a:t>
+            </a:r>
+            <a:endParaRPr lang="en-US" altLang="zh-CN" sz="2400"/>
+          </a:p>
+          <a:p>
+            <a:pPr lvl="0"/>
+            <a:r>
+              <a:rPr lang="en-US" altLang="zh-CN" sz="2800"/>
+              <a:t> class </a:t>
+            </a:r>
+            <a:r>
+              <a:rPr lang="zh-CN" altLang="en-US" sz="2800"/>
+              <a:t>的语法</a:t>
             </a:r>
             <a:endParaRPr lang="zh-CN" altLang="en-US" sz="2800"/>
           </a:p>
           <a:p>
-            <a:pPr lvl="1"/>
-            <a:r>
-              <a:rPr lang="zh-CN" altLang="en-US">
-                <a:sym typeface="+mn-ea"/>
-              </a:rPr>
-              <a:t>《</a:t>
-            </a:r>
-            <a:r>
-              <a:rPr lang="en-US">
-                <a:sym typeface="+mn-ea"/>
-              </a:rPr>
-              <a:t>ES6</a:t>
-            </a:r>
-            <a:r>
-              <a:rPr lang="zh-CN" altLang="en-US">
-                <a:sym typeface="+mn-ea"/>
-              </a:rPr>
-              <a:t>标准入门》</a:t>
-            </a:r>
-            <a:endParaRPr lang="zh-CN" altLang="en-US">
+            <a:pPr lvl="0"/>
+            <a:r>
+              <a:rPr lang="zh-CN" altLang="en-US" sz="2800"/>
+              <a:t> </a:t>
+            </a:r>
+            <a:r>
+              <a:rPr lang="en-US" altLang="zh-CN" sz="2800"/>
+              <a:t>class </a:t>
+            </a:r>
+            <a:r>
+              <a:rPr lang="zh-CN" altLang="en-US" sz="2800"/>
+              <a:t>的继承</a:t>
+            </a:r>
+            <a:endParaRPr sz="2800">
               <a:sym typeface="+mn-ea"/>
             </a:endParaRPr>
           </a:p>
           <a:p>
-            <a:pPr lvl="1"/>
-            <a:r>
-              <a:rPr lang="zh-CN" altLang="en-US">
-                <a:sym typeface="+mn-ea"/>
-              </a:rPr>
-              <a:t>《</a:t>
-            </a:r>
-            <a:r>
-              <a:rPr lang="zh-CN">
-                <a:sym typeface="+mn-ea"/>
-              </a:rPr>
-              <a:t>深入理解</a:t>
-            </a:r>
-            <a:r>
-              <a:rPr lang="en-US" altLang="zh-CN">
-                <a:sym typeface="+mn-ea"/>
-              </a:rPr>
-              <a:t>ES6</a:t>
-            </a:r>
-            <a:r>
-              <a:rPr lang="zh-CN" altLang="en-US">
-                <a:sym typeface="+mn-ea"/>
-              </a:rPr>
-              <a:t>》</a:t>
-            </a:r>
             <a:endParaRPr lang="zh-CN" altLang="en-US">
+              <a:ea typeface="微软雅黑" panose="020B0503020204020204" pitchFamily="34" charset="-122"/>
               <a:sym typeface="+mn-ea"/>
             </a:endParaRPr>
-          </a:p>
-          <a:p>
-            <a:pPr lvl="1"/>
-            <a:r>
-              <a:rPr lang="zh-CN" altLang="en-US">
-                <a:sym typeface="+mn-ea"/>
-              </a:rPr>
-              <a:t>《你不知道的</a:t>
-            </a:r>
-            <a:r>
-              <a:rPr lang="en-US" altLang="zh-CN">
-                <a:sym typeface="+mn-ea"/>
-              </a:rPr>
-              <a:t>JavaScript(</a:t>
-            </a:r>
-            <a:r>
-              <a:rPr lang="zh-CN" altLang="en-US">
-                <a:sym typeface="+mn-ea"/>
-              </a:rPr>
-              <a:t>中</a:t>
-            </a:r>
-            <a:r>
-              <a:rPr lang="zh-CN" altLang="en-US">
-                <a:sym typeface="+mn-ea"/>
-              </a:rPr>
-              <a:t>卷</a:t>
-            </a:r>
-            <a:r>
-              <a:rPr lang="en-US" altLang="zh-CN">
-                <a:sym typeface="+mn-ea"/>
-              </a:rPr>
-              <a:t>)</a:t>
-            </a:r>
-            <a:r>
-              <a:rPr lang="zh-CN" altLang="en-US">
-                <a:sym typeface="+mn-ea"/>
-              </a:rPr>
-              <a:t>》第二部分</a:t>
-            </a:r>
-            <a:endParaRPr lang="zh-CN" altLang="en-US">
-              <a:sym typeface="+mn-ea"/>
-            </a:endParaRPr>
-          </a:p>
-          <a:p>
-            <a:pPr lvl="0"/>
-            <a:r>
-              <a:rPr lang="zh-CN" altLang="en-US">
-                <a:sym typeface="+mn-ea"/>
-              </a:rPr>
-              <a:t> 总结相关知识点</a:t>
-            </a:r>
-            <a:endParaRPr lang="zh-CN" altLang="en-US"/>
-          </a:p>
-          <a:p>
-            <a:pPr lvl="0"/>
-            <a:r>
-              <a:rPr lang="zh-CN" altLang="en-US" sz="2800">
-                <a:sym typeface="+mn-ea"/>
-              </a:rPr>
-              <a:t> 上传总结到 </a:t>
-            </a:r>
-            <a:r>
-              <a:rPr lang="en-US" altLang="zh-CN" sz="2800">
-                <a:sym typeface="+mn-ea"/>
-              </a:rPr>
-              <a:t>javascript-advanced-summary </a:t>
-            </a:r>
-            <a:r>
-              <a:rPr lang="zh-CN" altLang="en-US" sz="2800">
-                <a:sym typeface="+mn-ea"/>
-              </a:rPr>
-              <a:t>仓库</a:t>
-            </a:r>
-            <a:endParaRPr lang="zh-CN" altLang="en-US">
-              <a:latin typeface="微软雅黑" panose="020B0503020204020204" pitchFamily="34" charset="-122"/>
-              <a:cs typeface="微软雅黑" panose="020B0503020204020204" pitchFamily="34" charset="-122"/>
-              <a:sym typeface="+mn-ea"/>
-            </a:endParaRPr>
-          </a:p>
-          <a:p>
-            <a:endParaRPr lang="en-US" altLang="zh-CN"/>
           </a:p>
         </p:txBody>
       </p:sp>
@@ -19977,14 +20006,9 @@
           <a:bodyPr/>
           <a:p>
             <a:r>
-              <a:rPr lang="zh-CN" dirty="0" smtClean="0">
-                <a:sym typeface="+mn-ea"/>
-              </a:rPr>
-              <a:t>任务</a:t>
-            </a:r>
-            <a:endParaRPr lang="zh-CN" altLang="en-US" dirty="0"/>
-          </a:p>
-          <a:p>
+              <a:rPr lang="zh-CN" altLang="en-US"/>
+              <a:t>总结</a:t>
+            </a:r>
             <a:endParaRPr lang="zh-CN" altLang="en-US"/>
           </a:p>
         </p:txBody>
@@ -19994,6 +20018,13 @@
   <p:clrMapOvr>
     <a:masterClrMapping/>
   </p:clrMapOvr>
+  <p:timing>
+    <p:tnLst>
+      <p:par>
+        <p:cTn id="1" dur="indefinite" restart="never" nodeType="tmRoot"/>
+      </p:par>
+    </p:tnLst>
+  </p:timing>
 </p:sld>
 </file>
 
@@ -20022,83 +20053,152 @@
           <a:bodyPr/>
           <a:p>
             <a:r>
-              <a:rPr lang="en-US" altLang="zh-CN"/>
+              <a:rPr lang="en-US" altLang="zh-CN" sz="2800">
+                <a:sym typeface="+mn-ea"/>
+              </a:rPr>
               <a:t> </a:t>
             </a:r>
             <a:r>
-              <a:rPr lang="zh-CN" altLang="en-US"/>
-              <a:t>题型：</a:t>
+              <a:rPr lang="zh-CN" altLang="en-US" sz="2800">
+                <a:sym typeface="+mn-ea"/>
+              </a:rPr>
+              <a:t>阅读书籍</a:t>
+            </a:r>
+            <a:endParaRPr lang="zh-CN" altLang="en-US" sz="2800"/>
+          </a:p>
+          <a:p>
+            <a:pPr lvl="1"/>
+            <a:r>
+              <a:rPr lang="zh-CN" altLang="en-US">
+                <a:sym typeface="+mn-ea"/>
+              </a:rPr>
+              <a:t>《</a:t>
+            </a:r>
+            <a:r>
+              <a:rPr lang="en-US">
+                <a:sym typeface="+mn-ea"/>
+              </a:rPr>
+              <a:t>ES6</a:t>
+            </a:r>
+            <a:r>
+              <a:rPr lang="zh-CN" altLang="en-US">
+                <a:sym typeface="+mn-ea"/>
+              </a:rPr>
+              <a:t>标准入门》</a:t>
+            </a:r>
+            <a:endParaRPr lang="zh-CN" altLang="en-US">
+              <a:sym typeface="+mn-ea"/>
+            </a:endParaRPr>
+          </a:p>
+          <a:p>
+            <a:pPr lvl="1"/>
+            <a:r>
+              <a:rPr lang="zh-CN" altLang="en-US">
+                <a:sym typeface="+mn-ea"/>
+              </a:rPr>
+              <a:t>《</a:t>
+            </a:r>
+            <a:r>
+              <a:rPr lang="zh-CN">
+                <a:sym typeface="+mn-ea"/>
+              </a:rPr>
+              <a:t>深入理解</a:t>
+            </a:r>
+            <a:r>
+              <a:rPr lang="en-US" altLang="zh-CN">
+                <a:sym typeface="+mn-ea"/>
+              </a:rPr>
+              <a:t>ES6</a:t>
+            </a:r>
+            <a:r>
+              <a:rPr lang="zh-CN" altLang="en-US">
+                <a:sym typeface="+mn-ea"/>
+              </a:rPr>
+              <a:t>》</a:t>
+            </a:r>
+            <a:endParaRPr lang="zh-CN" altLang="en-US">
+              <a:sym typeface="+mn-ea"/>
+            </a:endParaRPr>
+          </a:p>
+          <a:p>
+            <a:pPr lvl="1"/>
+            <a:r>
+              <a:rPr lang="zh-CN" altLang="en-US">
+                <a:sym typeface="+mn-ea"/>
+              </a:rPr>
+              <a:t>《你不知道的</a:t>
+            </a:r>
+            <a:r>
+              <a:rPr lang="en-US" altLang="zh-CN">
+                <a:sym typeface="+mn-ea"/>
+              </a:rPr>
+              <a:t>JavaScript(</a:t>
+            </a:r>
+            <a:r>
+              <a:rPr lang="zh-CN" altLang="en-US">
+                <a:sym typeface="+mn-ea"/>
+              </a:rPr>
+              <a:t>中</a:t>
+            </a:r>
+            <a:r>
+              <a:rPr lang="zh-CN" altLang="en-US">
+                <a:sym typeface="+mn-ea"/>
+              </a:rPr>
+              <a:t>卷</a:t>
+            </a:r>
+            <a:r>
+              <a:rPr lang="en-US" altLang="zh-CN">
+                <a:sym typeface="+mn-ea"/>
+              </a:rPr>
+              <a:t>)</a:t>
+            </a:r>
+            <a:r>
+              <a:rPr lang="zh-CN" altLang="en-US">
+                <a:sym typeface="+mn-ea"/>
+              </a:rPr>
+              <a:t>》第二部分</a:t>
+            </a:r>
+            <a:endParaRPr lang="zh-CN" altLang="en-US">
+              <a:sym typeface="+mn-ea"/>
+            </a:endParaRPr>
+          </a:p>
+          <a:p>
+            <a:pPr lvl="0"/>
+            <a:r>
+              <a:rPr lang="zh-CN" altLang="en-US">
+                <a:sym typeface="+mn-ea"/>
+              </a:rPr>
+              <a:t> 总结相关知识点</a:t>
             </a:r>
             <a:endParaRPr lang="zh-CN" altLang="en-US"/>
           </a:p>
           <a:p>
-            <a:pPr lvl="1"/>
-            <a:r>
-              <a:rPr lang="zh-CN" altLang="en-US"/>
-              <a:t> 选择题 </a:t>
-            </a:r>
-            <a:r>
-              <a:rPr lang="en-US" altLang="zh-CN"/>
-              <a:t>15*2</a:t>
-            </a:r>
-            <a:endParaRPr lang="en-US" altLang="zh-CN"/>
-          </a:p>
-          <a:p>
-            <a:pPr lvl="1"/>
-            <a:r>
-              <a:rPr lang="en-US" altLang="zh-CN"/>
-              <a:t> </a:t>
-            </a:r>
-            <a:r>
-              <a:rPr lang="zh-CN" altLang="en-US"/>
-              <a:t>填空题 </a:t>
-            </a:r>
-            <a:r>
-              <a:rPr lang="en-US" altLang="zh-CN"/>
-              <a:t>10*2</a:t>
-            </a:r>
-            <a:endParaRPr lang="en-US" altLang="zh-CN"/>
-          </a:p>
-          <a:p>
-            <a:pPr lvl="1"/>
-            <a:r>
-              <a:rPr lang="en-US" altLang="zh-CN"/>
-              <a:t> </a:t>
-            </a:r>
-            <a:r>
-              <a:rPr lang="zh-CN" altLang="en-US"/>
-              <a:t>简答题  </a:t>
-            </a:r>
-            <a:r>
-              <a:rPr lang="en-US" altLang="zh-CN"/>
-              <a:t>4*5</a:t>
-            </a:r>
-            <a:endParaRPr lang="en-US" altLang="zh-CN"/>
-          </a:p>
-          <a:p>
-            <a:pPr lvl="1"/>
-            <a:r>
-              <a:rPr lang="en-US" altLang="zh-CN"/>
-              <a:t> </a:t>
-            </a:r>
-            <a:r>
-              <a:rPr lang="zh-CN" altLang="en-US"/>
-              <a:t>程序题  </a:t>
-            </a:r>
-            <a:r>
-              <a:rPr lang="en-US" altLang="zh-CN"/>
-              <a:t>3</a:t>
-            </a:r>
-            <a:r>
-              <a:rPr lang="en-US" altLang="zh-CN"/>
-              <a:t>*10</a:t>
-            </a:r>
-            <a:br>
-              <a:rPr lang="en-US" altLang="zh-CN"/>
-            </a:br>
-            <a:br>
-              <a:rPr lang="en-US" altLang="zh-CN"/>
-            </a:br>
+            <a:pPr lvl="0"/>
+            <a:r>
+              <a:rPr lang="zh-CN" altLang="en-US" sz="2800">
+                <a:sym typeface="+mn-ea"/>
+              </a:rPr>
+              <a:t> 上传总结到 </a:t>
+            </a:r>
+            <a:r>
+              <a:rPr lang="en-US" altLang="zh-CN" sz="2800">
+                <a:sym typeface="+mn-ea"/>
+              </a:rPr>
+              <a:t>javascript-advanced-summary </a:t>
+            </a:r>
+            <a:r>
+              <a:rPr lang="zh-CN" altLang="en-US" sz="2800">
+                <a:sym typeface="+mn-ea"/>
+              </a:rPr>
+              <a:t>仓库</a:t>
+            </a:r>
+            <a:endParaRPr lang="zh-CN" altLang="en-US">
+              <a:latin typeface="微软雅黑" panose="020B0503020204020204" pitchFamily="34" charset="-122"/>
+              <a:cs typeface="微软雅黑" panose="020B0503020204020204" pitchFamily="34" charset="-122"/>
+              <a:sym typeface="+mn-ea"/>
+            </a:endParaRPr>
+          </a:p>
+          <a:p>
             <a:endParaRPr lang="en-US" altLang="zh-CN"/>
           </a:p>
         </p:txBody>
@@ -20118,9 +20218,14 @@
           <a:bodyPr/>
           <a:p>
             <a:r>
-              <a:rPr lang="zh-CN" altLang="en-US"/>
-              <a:t>期末考试</a:t>
-            </a:r>
+              <a:rPr lang="zh-CN" dirty="0" smtClean="0">
+                <a:sym typeface="+mn-ea"/>
+              </a:rPr>
+              <a:t>任务</a:t>
+            </a:r>
+            <a:endParaRPr lang="zh-CN" altLang="en-US" dirty="0"/>
+          </a:p>
+          <a:p>
             <a:endParaRPr lang="zh-CN" altLang="en-US"/>
           </a:p>
         </p:txBody>
@@ -20142,186 +20247,125 @@
         <p:cNvGrpSpPr/>
         <p:nvPr/>
       </p:nvGrpSpPr>
-      <p:grpSpPr>
-        <a:xfrm>
-          <a:off x="0" y="0"/>
-          <a:ext cx="0" cy="0"/>
-          <a:chOff x="0" y="0"/>
-          <a:chExt cx="0" cy="0"/>
-        </a:xfrm>
-      </p:grpSpPr>
-      <p:pic>
-        <p:nvPicPr>
-          <p:cNvPr id="11266" name="Picture 5"/>
-          <p:cNvPicPr>
-            <a:picLocks noChangeAspect="1" noChangeArrowheads="1"/>
-          </p:cNvPicPr>
-          <p:nvPr/>
-        </p:nvPicPr>
-        <p:blipFill>
-          <a:blip r:embed="rId1">
-            <a:extLst>
-              <a:ext uri="{28A0092B-C50C-407E-A947-70E740481C1C}">
-                <a14:useLocalDpi xmlns:a14="http://schemas.microsoft.com/office/drawing/2010/main" val="0"/>
-              </a:ext>
-            </a:extLst>
-          </a:blip>
-          <a:srcRect/>
-          <a:stretch>
-            <a:fillRect/>
-          </a:stretch>
-        </p:blipFill>
-        <p:spPr bwMode="auto">
-          <a:xfrm>
-            <a:off x="1" y="0"/>
-            <a:ext cx="12192000" cy="6858000"/>
-          </a:xfrm>
-          <a:prstGeom prst="rect">
-            <a:avLst/>
-          </a:prstGeom>
-          <a:noFill/>
-          <a:ln>
-            <a:noFill/>
-          </a:ln>
-          <a:extLst>
-            <a:ext uri="{909E8E84-426E-40DD-AFC4-6F175D3DCCD1}">
-              <a14:hiddenFill xmlns:a14="http://schemas.microsoft.com/office/drawing/2010/main">
-                <a:solidFill>
-                  <a:srgbClr val="FFFFFF"/>
-                </a:solidFill>
-              </a14:hiddenFill>
-            </a:ext>
-            <a:ext uri="{91240B29-F687-4F45-9708-019B960494DF}">
-              <a14:hiddenLine xmlns:a14="http://schemas.microsoft.com/office/drawing/2010/main" w="9525">
-                <a:solidFill>
-                  <a:srgbClr val="000000"/>
-                </a:solidFill>
-                <a:miter lim="800000"/>
-                <a:headEnd/>
-                <a:tailEnd/>
-              </a14:hiddenLine>
-            </a:ext>
-          </a:extLst>
-        </p:spPr>
-      </p:pic>
+      <p:grpSpPr/>
       <p:sp>
         <p:nvSpPr>
-          <p:cNvPr id="11267" name="Rectangle 6"/>
+          <p:cNvPr id="2" name="内容占位符 1"/>
           <p:cNvSpPr>
-            <a:spLocks noGrp="1" noChangeArrowheads="1"/>
+            <a:spLocks noGrp="1"/>
           </p:cNvSpPr>
           <p:nvPr>
-            <p:ph type="ctrTitle" idx="4294967295"/>
+            <p:ph sz="quarter" idx="10"/>
           </p:nvPr>
         </p:nvSpPr>
-        <p:spPr bwMode="auto">
-          <a:xfrm>
-            <a:off x="2095502" y="3143252"/>
-            <a:ext cx="7362825" cy="1285875"/>
-          </a:xfrm>
-          <a:prstGeom prst="rect">
-            <a:avLst/>
-          </a:prstGeom>
-          <a:noFill/>
-          <a:extLst>
-            <a:ext uri="{909E8E84-426E-40DD-AFC4-6F175D3DCCD1}">
-              <a14:hiddenFill xmlns:a14="http://schemas.microsoft.com/office/drawing/2010/main">
-                <a:solidFill>
-                  <a:srgbClr val="FFFFFF"/>
-                </a:solidFill>
-              </a14:hiddenFill>
-            </a:ext>
-            <a:ext uri="{91240B29-F687-4F45-9708-019B960494DF}">
-              <a14:hiddenLine xmlns:a14="http://schemas.microsoft.com/office/drawing/2010/main" w="9525">
-                <a:solidFill>
-                  <a:srgbClr val="000000"/>
-                </a:solidFill>
-                <a:miter lim="800000"/>
-                <a:headEnd/>
-                <a:tailEnd/>
-              </a14:hiddenLine>
-            </a:ext>
-          </a:extLst>
-        </p:spPr>
+        <p:spPr/>
         <p:txBody>
-          <a:bodyPr anchor="b"/>
-          <a:lstStyle/>
-          <a:p>
-            <a:pPr algn="ctr" eaLnBrk="1" hangingPunct="1"/>
-            <a:r>
-              <a:rPr lang="en-US" altLang="zh-CN" sz="5400" dirty="0"/>
-              <a:t>Thank </a:t>
-            </a:r>
-            <a:r>
-              <a:rPr lang="en-US" altLang="zh-CN" sz="5400" dirty="0">
-                <a:solidFill>
-                  <a:srgbClr val="FF0000"/>
-                </a:solidFill>
-              </a:rPr>
-              <a:t>You</a:t>
-            </a:r>
-            <a:r>
-              <a:rPr lang="zh-CN" altLang="en-US" sz="5400" dirty="0"/>
-              <a:t>！</a:t>
-            </a:r>
-            <a:endParaRPr lang="zh-CN" altLang="zh-CN" sz="5400" dirty="0"/>
+          <a:bodyPr/>
+          <a:p>
+            <a:r>
+              <a:rPr lang="en-US" altLang="zh-CN"/>
+              <a:t> </a:t>
+            </a:r>
+            <a:r>
+              <a:rPr lang="zh-CN" altLang="en-US"/>
+              <a:t>题型：</a:t>
+            </a:r>
+            <a:endParaRPr lang="zh-CN" altLang="en-US"/>
+          </a:p>
+          <a:p>
+            <a:pPr lvl="1"/>
+            <a:r>
+              <a:rPr lang="zh-CN" altLang="en-US"/>
+              <a:t> 选择题 </a:t>
+            </a:r>
+            <a:r>
+              <a:rPr lang="en-US" altLang="zh-CN"/>
+              <a:t>15*2</a:t>
+            </a:r>
+            <a:endParaRPr lang="en-US" altLang="zh-CN"/>
+          </a:p>
+          <a:p>
+            <a:pPr lvl="1"/>
+            <a:r>
+              <a:rPr lang="en-US" altLang="zh-CN"/>
+              <a:t> </a:t>
+            </a:r>
+            <a:r>
+              <a:rPr lang="zh-CN" altLang="en-US"/>
+              <a:t>填空题 </a:t>
+            </a:r>
+            <a:r>
+              <a:rPr lang="en-US" altLang="zh-CN"/>
+              <a:t>10*2</a:t>
+            </a:r>
+            <a:endParaRPr lang="en-US" altLang="zh-CN"/>
+          </a:p>
+          <a:p>
+            <a:pPr lvl="1"/>
+            <a:r>
+              <a:rPr lang="en-US" altLang="zh-CN"/>
+              <a:t> </a:t>
+            </a:r>
+            <a:r>
+              <a:rPr lang="zh-CN" altLang="en-US"/>
+              <a:t>简答题  </a:t>
+            </a:r>
+            <a:r>
+              <a:rPr lang="en-US" altLang="zh-CN"/>
+              <a:t>4*5</a:t>
+            </a:r>
+            <a:endParaRPr lang="en-US" altLang="zh-CN"/>
+          </a:p>
+          <a:p>
+            <a:pPr lvl="1"/>
+            <a:r>
+              <a:rPr lang="en-US" altLang="zh-CN"/>
+              <a:t> </a:t>
+            </a:r>
+            <a:r>
+              <a:rPr lang="zh-CN" altLang="en-US"/>
+              <a:t>程序题  </a:t>
+            </a:r>
+            <a:r>
+              <a:rPr lang="en-US" altLang="zh-CN"/>
+              <a:t>3</a:t>
+            </a:r>
+            <a:r>
+              <a:rPr lang="en-US" altLang="zh-CN"/>
+              <a:t>*10</a:t>
+            </a:r>
+            <a:br>
+              <a:rPr lang="en-US" altLang="zh-CN"/>
+            </a:br>
+            <a:br>
+              <a:rPr lang="en-US" altLang="zh-CN"/>
+            </a:br>
+            <a:endParaRPr lang="en-US" altLang="zh-CN"/>
           </a:p>
         </p:txBody>
       </p:sp>
-      <p:pic>
-        <p:nvPicPr>
-          <p:cNvPr id="11268" name="图片 3" descr="软院logo横版.png"/>
-          <p:cNvPicPr>
-            <a:picLocks noChangeAspect="1"/>
-          </p:cNvPicPr>
-          <p:nvPr/>
-        </p:nvPicPr>
-        <p:blipFill>
-          <a:blip r:embed="rId2">
-            <a:extLst>
-              <a:ext uri="{28A0092B-C50C-407E-A947-70E740481C1C}">
-                <a14:useLocalDpi xmlns:a14="http://schemas.microsoft.com/office/drawing/2010/main" val="0"/>
-              </a:ext>
-            </a:extLst>
-          </a:blip>
-          <a:srcRect/>
-          <a:stretch>
-            <a:fillRect/>
-          </a:stretch>
-        </p:blipFill>
-        <p:spPr bwMode="auto">
-          <a:xfrm>
-            <a:off x="2062166" y="5927725"/>
-            <a:ext cx="3381375" cy="527051"/>
-          </a:xfrm>
-          <a:prstGeom prst="rect">
-            <a:avLst/>
-          </a:prstGeom>
-          <a:noFill/>
-          <a:ln>
-            <a:noFill/>
-          </a:ln>
-          <a:extLst>
-            <a:ext uri="{909E8E84-426E-40DD-AFC4-6F175D3DCCD1}">
-              <a14:hiddenFill xmlns:a14="http://schemas.microsoft.com/office/drawing/2010/main">
-                <a:solidFill>
-                  <a:srgbClr val="FFFFFF"/>
-                </a:solidFill>
-              </a14:hiddenFill>
-            </a:ext>
-            <a:ext uri="{91240B29-F687-4F45-9708-019B960494DF}">
-              <a14:hiddenLine xmlns:a14="http://schemas.microsoft.com/office/drawing/2010/main" w="9525">
-                <a:solidFill>
-                  <a:srgbClr val="000000"/>
-                </a:solidFill>
-                <a:miter lim="800000"/>
-                <a:headEnd/>
-                <a:tailEnd/>
-              </a14:hiddenLine>
-            </a:ext>
-          </a:extLst>
-        </p:spPr>
-      </p:pic>
+      <p:sp>
+        <p:nvSpPr>
+          <p:cNvPr id="3" name="内容占位符 2"/>
+          <p:cNvSpPr>
+            <a:spLocks noGrp="1"/>
+          </p:cNvSpPr>
+          <p:nvPr>
+            <p:ph sz="quarter" idx="11"/>
+          </p:nvPr>
+        </p:nvSpPr>
+        <p:spPr/>
+        <p:txBody>
+          <a:bodyPr/>
+          <a:p>
+            <a:r>
+              <a:rPr lang="zh-CN" altLang="en-US"/>
+              <a:t>期末考试</a:t>
+            </a:r>
+            <a:endParaRPr lang="zh-CN" altLang="en-US"/>
+          </a:p>
+        </p:txBody>
+      </p:sp>
     </p:spTree>
   </p:cSld>
   <p:clrMapOvr>
@@ -20854,6 +20898,203 @@
       <p:bldP spid="4" grpId="0" bldLvl="0" animBg="1"/>
     </p:bldLst>
   </p:timing>
+</p:sld>
+</file>
+
+<file path=ppt/slides/slide50.xml><?xml version="1.0" encoding="utf-8"?>
+<p:sld xmlns:a="http://schemas.openxmlformats.org/drawingml/2006/main" xmlns:r="http://schemas.openxmlformats.org/officeDocument/2006/relationships" xmlns:p="http://schemas.openxmlformats.org/presentationml/2006/main">
+  <p:cSld>
+    <p:spTree>
+      <p:nvGrpSpPr>
+        <p:cNvPr id="1" name=""/>
+        <p:cNvGrpSpPr/>
+        <p:nvPr/>
+      </p:nvGrpSpPr>
+      <p:grpSpPr>
+        <a:xfrm>
+          <a:off x="0" y="0"/>
+          <a:ext cx="0" cy="0"/>
+          <a:chOff x="0" y="0"/>
+          <a:chExt cx="0" cy="0"/>
+        </a:xfrm>
+      </p:grpSpPr>
+      <p:pic>
+        <p:nvPicPr>
+          <p:cNvPr id="11266" name="Picture 5"/>
+          <p:cNvPicPr>
+            <a:picLocks noChangeAspect="1" noChangeArrowheads="1"/>
+          </p:cNvPicPr>
+          <p:nvPr/>
+        </p:nvPicPr>
+        <p:blipFill>
+          <a:blip r:embed="rId1">
+            <a:extLst>
+              <a:ext uri="{28A0092B-C50C-407E-A947-70E740481C1C}">
+                <a14:useLocalDpi xmlns:a14="http://schemas.microsoft.com/office/drawing/2010/main" val="0"/>
+              </a:ext>
+            </a:extLst>
+          </a:blip>
+          <a:srcRect/>
+          <a:stretch>
+            <a:fillRect/>
+          </a:stretch>
+        </p:blipFill>
+        <p:spPr bwMode="auto">
+          <a:xfrm>
+            <a:off x="1" y="0"/>
+            <a:ext cx="12192000" cy="6858000"/>
+          </a:xfrm>
+          <a:prstGeom prst="rect">
+            <a:avLst/>
+          </a:prstGeom>
+          <a:noFill/>
+          <a:ln>
+            <a:noFill/>
+          </a:ln>
+          <a:extLst>
+            <a:ext uri="{909E8E84-426E-40DD-AFC4-6F175D3DCCD1}">
+              <a14:hiddenFill xmlns:a14="http://schemas.microsoft.com/office/drawing/2010/main">
+                <a:solidFill>
+                  <a:srgbClr val="FFFFFF"/>
+                </a:solidFill>
+              </a14:hiddenFill>
+            </a:ext>
+            <a:ext uri="{91240B29-F687-4F45-9708-019B960494DF}">
+              <a14:hiddenLine xmlns:a14="http://schemas.microsoft.com/office/drawing/2010/main" w="9525">
+                <a:solidFill>
+                  <a:srgbClr val="000000"/>
+                </a:solidFill>
+                <a:miter lim="800000"/>
+                <a:headEnd/>
+                <a:tailEnd/>
+              </a14:hiddenLine>
+            </a:ext>
+          </a:extLst>
+        </p:spPr>
+      </p:pic>
+      <p:sp>
+        <p:nvSpPr>
+          <p:cNvPr id="11267" name="Rectangle 6"/>
+          <p:cNvSpPr>
+            <a:spLocks noGrp="1" noChangeArrowheads="1"/>
+          </p:cNvSpPr>
+          <p:nvPr>
+            <p:ph type="ctrTitle" idx="4294967295"/>
+          </p:nvPr>
+        </p:nvSpPr>
+        <p:spPr bwMode="auto">
+          <a:xfrm>
+            <a:off x="2095502" y="3143252"/>
+            <a:ext cx="7362825" cy="1285875"/>
+          </a:xfrm>
+          <a:prstGeom prst="rect">
+            <a:avLst/>
+          </a:prstGeom>
+          <a:noFill/>
+          <a:extLst>
+            <a:ext uri="{909E8E84-426E-40DD-AFC4-6F175D3DCCD1}">
+              <a14:hiddenFill xmlns:a14="http://schemas.microsoft.com/office/drawing/2010/main">
+                <a:solidFill>
+                  <a:srgbClr val="FFFFFF"/>
+                </a:solidFill>
+              </a14:hiddenFill>
+            </a:ext>
+            <a:ext uri="{91240B29-F687-4F45-9708-019B960494DF}">
+              <a14:hiddenLine xmlns:a14="http://schemas.microsoft.com/office/drawing/2010/main" w="9525">
+                <a:solidFill>
+                  <a:srgbClr val="000000"/>
+                </a:solidFill>
+                <a:miter lim="800000"/>
+                <a:headEnd/>
+                <a:tailEnd/>
+              </a14:hiddenLine>
+            </a:ext>
+          </a:extLst>
+        </p:spPr>
+        <p:txBody>
+          <a:bodyPr anchor="b"/>
+          <a:lstStyle/>
+          <a:p>
+            <a:pPr algn="ctr" eaLnBrk="1" hangingPunct="1"/>
+            <a:r>
+              <a:rPr lang="en-US" altLang="zh-CN" sz="5400" dirty="0"/>
+              <a:t>Thank </a:t>
+            </a:r>
+            <a:r>
+              <a:rPr lang="en-US" altLang="zh-CN" sz="5400" dirty="0">
+                <a:solidFill>
+                  <a:srgbClr val="FF0000"/>
+                </a:solidFill>
+              </a:rPr>
+              <a:t>You</a:t>
+            </a:r>
+            <a:r>
+              <a:rPr lang="zh-CN" altLang="en-US" sz="5400" dirty="0"/>
+              <a:t>！</a:t>
+            </a:r>
+            <a:endParaRPr lang="zh-CN" altLang="zh-CN" sz="5400" dirty="0"/>
+          </a:p>
+        </p:txBody>
+      </p:sp>
+      <p:pic>
+        <p:nvPicPr>
+          <p:cNvPr id="11268" name="图片 3" descr="软院logo横版.png"/>
+          <p:cNvPicPr>
+            <a:picLocks noChangeAspect="1"/>
+          </p:cNvPicPr>
+          <p:nvPr/>
+        </p:nvPicPr>
+        <p:blipFill>
+          <a:blip r:embed="rId2">
+            <a:extLst>
+              <a:ext uri="{28A0092B-C50C-407E-A947-70E740481C1C}">
+                <a14:useLocalDpi xmlns:a14="http://schemas.microsoft.com/office/drawing/2010/main" val="0"/>
+              </a:ext>
+            </a:extLst>
+          </a:blip>
+          <a:srcRect/>
+          <a:stretch>
+            <a:fillRect/>
+          </a:stretch>
+        </p:blipFill>
+        <p:spPr bwMode="auto">
+          <a:xfrm>
+            <a:off x="2062166" y="5927725"/>
+            <a:ext cx="3381375" cy="527051"/>
+          </a:xfrm>
+          <a:prstGeom prst="rect">
+            <a:avLst/>
+          </a:prstGeom>
+          <a:noFill/>
+          <a:ln>
+            <a:noFill/>
+          </a:ln>
+          <a:extLst>
+            <a:ext uri="{909E8E84-426E-40DD-AFC4-6F175D3DCCD1}">
+              <a14:hiddenFill xmlns:a14="http://schemas.microsoft.com/office/drawing/2010/main">
+                <a:solidFill>
+                  <a:srgbClr val="FFFFFF"/>
+                </a:solidFill>
+              </a14:hiddenFill>
+            </a:ext>
+            <a:ext uri="{91240B29-F687-4F45-9708-019B960494DF}">
+              <a14:hiddenLine xmlns:a14="http://schemas.microsoft.com/office/drawing/2010/main" w="9525">
+                <a:solidFill>
+                  <a:srgbClr val="000000"/>
+                </a:solidFill>
+                <a:miter lim="800000"/>
+                <a:headEnd/>
+                <a:tailEnd/>
+              </a14:hiddenLine>
+            </a:ext>
+          </a:extLst>
+        </p:spPr>
+      </p:pic>
+    </p:spTree>
+  </p:cSld>
+  <p:clrMapOvr>
+    <a:masterClrMapping/>
+  </p:clrMapOvr>
 </p:sld>
 </file>
 
